--- a/Seccion 6 Analisis Factorial/Diapositivas/6.5 Principal Factor Analysis.pptx
+++ b/Seccion 6 Analisis Factorial/Diapositivas/6.5 Principal Factor Analysis.pptx
@@ -268,7 +268,7 @@
             <a:fld id="{B61BEF0D-F0BB-DE4B-95CE-6DB70DBA9567}" type="datetimeFigureOut">
               <a:rPr lang="en-US" smtClean="0"/>
               <a:pPr/>
-              <a:t>1/27/2020</a:t>
+              <a:t>4/6/2020</a:t>
             </a:fld>
             <a:endParaRPr lang="en-US" dirty="0"/>
           </a:p>
@@ -467,7 +467,7 @@
           <a:p>
             <a:fld id="{55C6B4A9-1611-4792-9094-5F34BCA07E0B}" type="datetimeFigureOut">
               <a:rPr lang="en-US" smtClean="0"/>
-              <a:t>1/27/2020</a:t>
+              <a:t>4/6/2020</a:t>
             </a:fld>
             <a:endParaRPr lang="en-US" dirty="0"/>
           </a:p>
@@ -676,7 +676,7 @@
             <a:fld id="{B61BEF0D-F0BB-DE4B-95CE-6DB70DBA9567}" type="datetimeFigureOut">
               <a:rPr lang="en-US" smtClean="0"/>
               <a:pPr/>
-              <a:t>1/27/2020</a:t>
+              <a:t>4/6/2020</a:t>
             </a:fld>
             <a:endParaRPr lang="en-US" dirty="0"/>
           </a:p>
@@ -1496,7 +1496,7 @@
             <a:fld id="{B61BEF0D-F0BB-DE4B-95CE-6DB70DBA9567}" type="datetimeFigureOut">
               <a:rPr lang="en-US" smtClean="0"/>
               <a:pPr/>
-              <a:t>1/27/2020</a:t>
+              <a:t>4/6/2020</a:t>
             </a:fld>
             <a:endParaRPr lang="en-US" dirty="0"/>
           </a:p>
@@ -1668,7 +1668,7 @@
             <a:fld id="{B61BEF0D-F0BB-DE4B-95CE-6DB70DBA9567}" type="datetimeFigureOut">
               <a:rPr lang="en-US" smtClean="0"/>
               <a:pPr/>
-              <a:t>1/27/2020</a:t>
+              <a:t>4/6/2020</a:t>
             </a:fld>
             <a:endParaRPr lang="en-US" dirty="0"/>
           </a:p>
@@ -1917,7 +1917,7 @@
             <a:fld id="{B61BEF0D-F0BB-DE4B-95CE-6DB70DBA9567}" type="datetimeFigureOut">
               <a:rPr lang="en-US" smtClean="0"/>
               <a:pPr/>
-              <a:t>1/27/2020</a:t>
+              <a:t>4/6/2020</a:t>
             </a:fld>
             <a:endParaRPr lang="en-US" dirty="0"/>
           </a:p>
@@ -2150,7 +2150,7 @@
           <a:p>
             <a:fld id="{EB712588-04B1-427B-82EE-E8DB90309F08}" type="datetimeFigureOut">
               <a:rPr lang="en-US" smtClean="0"/>
-              <a:t>1/27/2020</a:t>
+              <a:t>4/6/2020</a:t>
             </a:fld>
             <a:endParaRPr lang="en-US" dirty="0"/>
           </a:p>
@@ -2525,7 +2525,7 @@
             <a:fld id="{B61BEF0D-F0BB-DE4B-95CE-6DB70DBA9567}" type="datetimeFigureOut">
               <a:rPr lang="en-US" smtClean="0"/>
               <a:pPr/>
-              <a:t>1/27/2020</a:t>
+              <a:t>4/6/2020</a:t>
             </a:fld>
             <a:endParaRPr lang="en-US" dirty="0"/>
           </a:p>
@@ -2650,7 +2650,7 @@
             <a:fld id="{B61BEF0D-F0BB-DE4B-95CE-6DB70DBA9567}" type="datetimeFigureOut">
               <a:rPr lang="en-US" smtClean="0"/>
               <a:pPr/>
-              <a:t>1/27/2020</a:t>
+              <a:t>4/6/2020</a:t>
             </a:fld>
             <a:endParaRPr lang="en-US" dirty="0"/>
           </a:p>
@@ -2747,7 +2747,7 @@
             <a:fld id="{B61BEF0D-F0BB-DE4B-95CE-6DB70DBA9567}" type="datetimeFigureOut">
               <a:rPr lang="en-US" smtClean="0"/>
               <a:pPr/>
-              <a:t>1/27/2020</a:t>
+              <a:t>4/6/2020</a:t>
             </a:fld>
             <a:endParaRPr lang="en-US" dirty="0"/>
           </a:p>
@@ -3003,7 +3003,7 @@
           <a:p>
             <a:fld id="{42A54C80-263E-416B-A8E0-580EDEADCBDC}" type="datetimeFigureOut">
               <a:rPr lang="en-US" smtClean="0"/>
-              <a:t>1/27/2020</a:t>
+              <a:t>4/6/2020</a:t>
             </a:fld>
             <a:endParaRPr lang="en-US" dirty="0"/>
           </a:p>
@@ -3190,7 +3190,7 @@
             <a:fld id="{B61BEF0D-F0BB-DE4B-95CE-6DB70DBA9567}" type="datetimeFigureOut">
               <a:rPr lang="en-US" smtClean="0"/>
               <a:pPr/>
-              <a:t>1/27/2020</a:t>
+              <a:t>4/6/2020</a:t>
             </a:fld>
             <a:endParaRPr lang="en-US" dirty="0"/>
           </a:p>
@@ -3510,7 +3510,7 @@
             <a:fld id="{B61BEF0D-F0BB-DE4B-95CE-6DB70DBA9567}" type="datetimeFigureOut">
               <a:rPr lang="en-US" smtClean="0"/>
               <a:pPr/>
-              <a:t>1/27/2020</a:t>
+              <a:t>4/6/2020</a:t>
             </a:fld>
             <a:endParaRPr lang="en-US" dirty="0"/>
           </a:p>
@@ -3720,7 +3720,7 @@
             <a:fld id="{B61BEF0D-F0BB-DE4B-95CE-6DB70DBA9567}" type="datetimeFigureOut">
               <a:rPr lang="en-US" smtClean="0"/>
               <a:pPr/>
-              <a:t>1/27/2020</a:t>
+              <a:t>4/6/2020</a:t>
             </a:fld>
             <a:endParaRPr lang="en-US" dirty="0"/>
           </a:p>
@@ -4036,7 +4036,7 @@
             <a:fld id="{B61BEF0D-F0BB-DE4B-95CE-6DB70DBA9567}" type="datetimeFigureOut">
               <a:rPr lang="en-US" smtClean="0"/>
               <a:pPr/>
-              <a:t>1/27/2020</a:t>
+              <a:t>4/6/2020</a:t>
             </a:fld>
             <a:endParaRPr lang="en-US" dirty="0"/>
           </a:p>
@@ -4371,7 +4371,7 @@
             <a:fld id="{B61BEF0D-F0BB-DE4B-95CE-6DB70DBA9567}" type="datetimeFigureOut">
               <a:rPr lang="en-US" smtClean="0"/>
               <a:pPr/>
-              <a:t>1/27/2020</a:t>
+              <a:t>4/6/2020</a:t>
             </a:fld>
             <a:endParaRPr lang="en-US" dirty="0"/>
           </a:p>
@@ -4687,7 +4687,7 @@
             <a:fld id="{B61BEF0D-F0BB-DE4B-95CE-6DB70DBA9567}" type="datetimeFigureOut">
               <a:rPr lang="en-US" smtClean="0"/>
               <a:pPr/>
-              <a:t>1/27/2020</a:t>
+              <a:t>4/6/2020</a:t>
             </a:fld>
             <a:endParaRPr lang="en-US" dirty="0"/>
           </a:p>
@@ -5082,7 +5082,7 @@
             <a:fld id="{B61BEF0D-F0BB-DE4B-95CE-6DB70DBA9567}" type="datetimeFigureOut">
               <a:rPr lang="en-US" smtClean="0"/>
               <a:pPr/>
-              <a:t>1/27/2020</a:t>
+              <a:t>4/6/2020</a:t>
             </a:fld>
             <a:endParaRPr lang="en-US" dirty="0"/>
           </a:p>
@@ -5253,7 +5253,7 @@
           <a:p>
             <a:fld id="{55C6B4A9-1611-4792-9094-5F34BCA07E0B}" type="datetimeFigureOut">
               <a:rPr lang="en-US" smtClean="0"/>
-              <a:t>1/27/2020</a:t>
+              <a:t>4/6/2020</a:t>
             </a:fld>
             <a:endParaRPr lang="en-US" dirty="0"/>
           </a:p>
@@ -5434,7 +5434,7 @@
             <a:fld id="{B61BEF0D-F0BB-DE4B-95CE-6DB70DBA9567}" type="datetimeFigureOut">
               <a:rPr lang="en-US" smtClean="0"/>
               <a:pPr/>
-              <a:t>1/27/2020</a:t>
+              <a:t>4/6/2020</a:t>
             </a:fld>
             <a:endParaRPr lang="en-US" dirty="0"/>
           </a:p>
@@ -5699,7 +5699,7 @@
             <a:fld id="{B61BEF0D-F0BB-DE4B-95CE-6DB70DBA9567}" type="datetimeFigureOut">
               <a:rPr lang="en-US" smtClean="0"/>
               <a:pPr/>
-              <a:t>1/27/2020</a:t>
+              <a:t>4/6/2020</a:t>
             </a:fld>
             <a:endParaRPr lang="en-US" dirty="0"/>
           </a:p>
@@ -5965,7 +5965,7 @@
           <a:p>
             <a:fld id="{EB712588-04B1-427B-82EE-E8DB90309F08}" type="datetimeFigureOut">
               <a:rPr lang="en-US" smtClean="0"/>
-              <a:t>1/27/2020</a:t>
+              <a:t>4/6/2020</a:t>
             </a:fld>
             <a:endParaRPr lang="en-US" dirty="0"/>
           </a:p>
@@ -6378,7 +6378,7 @@
             <a:fld id="{B61BEF0D-F0BB-DE4B-95CE-6DB70DBA9567}" type="datetimeFigureOut">
               <a:rPr lang="en-US" smtClean="0"/>
               <a:pPr/>
-              <a:t>1/27/2020</a:t>
+              <a:t>4/6/2020</a:t>
             </a:fld>
             <a:endParaRPr lang="en-US" dirty="0"/>
           </a:p>
@@ -6521,7 +6521,7 @@
             <a:fld id="{B61BEF0D-F0BB-DE4B-95CE-6DB70DBA9567}" type="datetimeFigureOut">
               <a:rPr lang="en-US" smtClean="0"/>
               <a:pPr/>
-              <a:t>1/27/2020</a:t>
+              <a:t>4/6/2020</a:t>
             </a:fld>
             <a:endParaRPr lang="en-US" dirty="0"/>
           </a:p>
@@ -6636,7 +6636,7 @@
             <a:fld id="{B61BEF0D-F0BB-DE4B-95CE-6DB70DBA9567}" type="datetimeFigureOut">
               <a:rPr lang="en-US" smtClean="0"/>
               <a:pPr/>
-              <a:t>1/27/2020</a:t>
+              <a:t>4/6/2020</a:t>
             </a:fld>
             <a:endParaRPr lang="en-US" dirty="0"/>
           </a:p>
@@ -6948,7 +6948,7 @@
           <a:p>
             <a:fld id="{42A54C80-263E-416B-A8E0-580EDEADCBDC}" type="datetimeFigureOut">
               <a:rPr lang="en-US" smtClean="0"/>
-              <a:t>1/27/2020</a:t>
+              <a:t>4/6/2020</a:t>
             </a:fld>
             <a:endParaRPr lang="en-US" dirty="0"/>
           </a:p>
@@ -7237,7 +7237,7 @@
             <a:fld id="{B61BEF0D-F0BB-DE4B-95CE-6DB70DBA9567}" type="datetimeFigureOut">
               <a:rPr lang="en-US" smtClean="0"/>
               <a:pPr/>
-              <a:t>1/27/2020</a:t>
+              <a:t>4/6/2020</a:t>
             </a:fld>
             <a:endParaRPr lang="en-US" dirty="0"/>
           </a:p>
@@ -7480,7 +7480,7 @@
             <a:fld id="{B61BEF0D-F0BB-DE4B-95CE-6DB70DBA9567}" type="datetimeFigureOut">
               <a:rPr lang="en-US" smtClean="0"/>
               <a:pPr/>
-              <a:t>1/27/2020</a:t>
+              <a:t>4/6/2020</a:t>
             </a:fld>
             <a:endParaRPr lang="en-US" dirty="0"/>
           </a:p>
@@ -8565,7 +8565,7 @@
             <a:fld id="{B61BEF0D-F0BB-DE4B-95CE-6DB70DBA9567}" type="datetimeFigureOut">
               <a:rPr lang="en-US" smtClean="0"/>
               <a:pPr/>
-              <a:t>1/27/2020</a:t>
+              <a:t>4/6/2020</a:t>
             </a:fld>
             <a:endParaRPr lang="en-US" dirty="0"/>
           </a:p>
@@ -10097,31 +10097,7 @@
                     <a:latin typeface="Calibri" panose="020F0502020204030204" pitchFamily="34" charset="0"/>
                     <a:cs typeface="Calibri" panose="020F0502020204030204" pitchFamily="34" charset="0"/>
                   </a:rPr>
-                  <a:t>Como consecuencia </a:t>
-                </a:r>
-                <a14:m>
-                  <m:oMath xmlns:m="http://schemas.openxmlformats.org/officeDocument/2006/math">
-                    <m:r>
-                      <a:rPr lang="es-ES" b="0" i="1" dirty="0" smtClean="0">
-                        <a:solidFill>
-                          <a:schemeClr val="bg1"/>
-                        </a:solidFill>
-                        <a:latin typeface="Cambria Math" panose="02040503050406030204" pitchFamily="18" charset="0"/>
-                        <a:ea typeface="Cambria Math" panose="02040503050406030204" pitchFamily="18" charset="0"/>
-                      </a:rPr>
-                      <m:t>𝑣</m:t>
-                    </m:r>
-                  </m:oMath>
-                </a14:m>
-                <a:r>
-                  <a:rPr lang="es-ES" dirty="0">
-                    <a:solidFill>
-                      <a:schemeClr val="bg1"/>
-                    </a:solidFill>
-                    <a:latin typeface="Calibri" panose="020F0502020204030204" pitchFamily="34" charset="0"/>
-                    <a:cs typeface="Calibri" panose="020F0502020204030204" pitchFamily="34" charset="0"/>
-                  </a:rPr>
-                  <a:t>tiene </a:t>
+                  <a:t>Como consecuencia tiene </a:t>
                 </a:r>
                 <a14:m>
                   <m:oMath xmlns:m="http://schemas.openxmlformats.org/officeDocument/2006/math">
@@ -10956,8 +10932,8 @@
           </a:p>
         </p:txBody>
       </p:sp>
-      <mc:AlternateContent xmlns:mc="http://schemas.openxmlformats.org/markup-compatibility/2006">
-        <mc:Choice xmlns:a14="http://schemas.microsoft.com/office/drawing/2010/main" Requires="a14">
+      <mc:AlternateContent xmlns:mc="http://schemas.openxmlformats.org/markup-compatibility/2006" xmlns:a14="http://schemas.microsoft.com/office/drawing/2010/main">
+        <mc:Choice Requires="a14">
           <p:sp>
             <p:nvSpPr>
               <p:cNvPr id="3" name="Marcador de contenido 2">
@@ -11749,7 +11725,7 @@
             </p:txBody>
           </p:sp>
         </mc:Choice>
-        <mc:Fallback>
+        <mc:Fallback xmlns="">
           <p:sp>
             <p:nvSpPr>
               <p:cNvPr id="3" name="Marcador de contenido 2">
@@ -12576,8 +12552,8 @@
           </a:p>
         </p:txBody>
       </p:sp>
-      <mc:AlternateContent xmlns:mc="http://schemas.openxmlformats.org/markup-compatibility/2006">
-        <mc:Choice xmlns:a14="http://schemas.microsoft.com/office/drawing/2010/main" Requires="a14">
+      <mc:AlternateContent xmlns:mc="http://schemas.openxmlformats.org/markup-compatibility/2006" xmlns:a14="http://schemas.microsoft.com/office/drawing/2010/main">
+        <mc:Choice Requires="a14">
           <p:sp>
             <p:nvSpPr>
               <p:cNvPr id="3" name="Marcador de contenido 2">
@@ -13527,7 +13503,7 @@
             </p:txBody>
           </p:sp>
         </mc:Choice>
-        <mc:Fallback>
+        <mc:Fallback xmlns="">
           <p:sp>
             <p:nvSpPr>
               <p:cNvPr id="3" name="Marcador de contenido 2">
@@ -13942,8 +13918,8 @@
           </a:p>
         </p:txBody>
       </p:sp>
-      <mc:AlternateContent xmlns:mc="http://schemas.openxmlformats.org/markup-compatibility/2006">
-        <mc:Choice xmlns:a14="http://schemas.microsoft.com/office/drawing/2010/main" Requires="a14">
+      <mc:AlternateContent xmlns:mc="http://schemas.openxmlformats.org/markup-compatibility/2006" xmlns:a14="http://schemas.microsoft.com/office/drawing/2010/main">
+        <mc:Choice Requires="a14">
           <p:sp>
             <p:nvSpPr>
               <p:cNvPr id="3" name="Marcador de contenido 2">
@@ -14679,7 +14655,7 @@
             </p:txBody>
           </p:sp>
         </mc:Choice>
-        <mc:Fallback>
+        <mc:Fallback xmlns="">
           <p:sp>
             <p:nvSpPr>
               <p:cNvPr id="3" name="Marcador de contenido 2">
